--- a/Active Systems Pty Training Material.pptx
+++ b/Active Systems Pty Training Material.pptx
@@ -112,6 +112,22 @@
       </a:defRPr>
     </a:lvl9pPr>
   </p:defaultTextStyle>
+  <p:extLst>
+    <p:ext uri="{EFAFB233-063F-42B5-8137-9DF3F51BA10A}">
+      <p15:sldGuideLst xmlns:p15="http://schemas.microsoft.com/office/powerpoint/2012/main">
+        <p15:guide id="1" orient="horz" pos="2160">
+          <p15:clr>
+            <a:srgbClr val="A4A3A4"/>
+          </p15:clr>
+        </p15:guide>
+        <p15:guide id="2" pos="2880">
+          <p15:clr>
+            <a:srgbClr val="A4A3A4"/>
+          </p15:clr>
+        </p15:guide>
+      </p15:sldGuideLst>
+    </p:ext>
+  </p:extLst>
 </p:presentation>
 </file>
 
@@ -197,7 +213,7 @@
           <a:p>
             <a:fld id="{F81ED103-6A9A-442B-AB01-2AFF1C7E86BA}" type="datetimeFigureOut">
               <a:rPr lang="en-AU" smtClean="0"/>
-              <a:t>22/11/2021</a:t>
+              <a:t>23/11/2021</a:t>
             </a:fld>
             <a:endParaRPr lang="en-AU"/>
           </a:p>
@@ -559,7 +575,29 @@
             </a:pPr>
             <a:r>
               <a:rPr lang="en-GB" baseline="0" dirty="0" smtClean="0"/>
-              <a:t>Duplicate plates cannot be entered into the application via the enter or edit buttons.</a:t>
+              <a:t>Duplicate plates cannot be entered into the application via the enter or edit buttons</a:t>
+            </a:r>
+            <a:r>
+              <a:rPr lang="en-GB" baseline="0" dirty="0" smtClean="0"/>
+              <a:t>.</a:t>
+            </a:r>
+          </a:p>
+          <a:p>
+            <a:pPr marL="171450" indent="-171450">
+              <a:buFont typeface="Arial" panose="020B0604020202020204" pitchFamily="34" charset="0"/>
+              <a:buChar char="•"/>
+            </a:pPr>
+            <a:r>
+              <a:rPr lang="en-US" dirty="0" smtClean="0"/>
+              <a:t>Layout is loosely based on file drop</a:t>
+            </a:r>
+            <a:r>
+              <a:rPr lang="en-US" baseline="0" dirty="0" smtClean="0"/>
+              <a:t> down menus from Microsoft office and Windows </a:t>
+            </a:r>
+            <a:r>
+              <a:rPr lang="en-US" baseline="0" smtClean="0"/>
+              <a:t>default calculator.</a:t>
             </a:r>
             <a:endParaRPr lang="en-AU" dirty="0"/>
           </a:p>
@@ -655,8 +693,23 @@
             </a:r>
             <a:r>
               <a:rPr lang="en-GB" baseline="0" dirty="0" smtClean="0"/>
-              <a:t> folders and .txt files will be visible</a:t>
-            </a:r>
+              <a:t> folders and .txt files will be </a:t>
+            </a:r>
+            <a:r>
+              <a:rPr lang="en-GB" baseline="0" dirty="0" smtClean="0"/>
+              <a:t>visible</a:t>
+            </a:r>
+          </a:p>
+          <a:p>
+            <a:pPr marL="171450" indent="-171450">
+              <a:buFont typeface="Arial" panose="020B0604020202020204" pitchFamily="34" charset="0"/>
+              <a:buChar char="•"/>
+            </a:pPr>
+            <a:r>
+              <a:rPr lang="en-GB" baseline="0" dirty="0" smtClean="0"/>
+              <a:t>By default the working file name is demo_00 which means the default close method save file will be demo_01</a:t>
+            </a:r>
+            <a:endParaRPr lang="en-GB" baseline="0" dirty="0" smtClean="0"/>
           </a:p>
           <a:p>
             <a:pPr marL="171450" indent="-171450">
@@ -889,9 +942,22 @@
             </a:pPr>
             <a:r>
               <a:rPr lang="en-GB" baseline="0" dirty="0" smtClean="0"/>
-              <a:t>The linear and binary search buttons return the index of the plate the user is trying to search for if found.</a:t>
-            </a:r>
-            <a:endParaRPr lang="en-AU" dirty="0"/>
+              <a:t>The linear and binary search buttons return the index of the plate the user is trying to search for if found</a:t>
+            </a:r>
+            <a:r>
+              <a:rPr lang="en-GB" baseline="0" dirty="0" smtClean="0"/>
+              <a:t>.</a:t>
+            </a:r>
+          </a:p>
+          <a:p>
+            <a:pPr marL="171450" indent="-171450">
+              <a:buFont typeface="Arial" panose="020B0604020202020204" pitchFamily="34" charset="0"/>
+              <a:buChar char="•"/>
+            </a:pPr>
+            <a:r>
+              <a:rPr lang="en-GB" baseline="0" dirty="0" smtClean="0"/>
+              <a:t>Errors are denoted by the prefix ‘Error’.</a:t>
+            </a:r>
           </a:p>
         </p:txBody>
       </p:sp>
@@ -1162,7 +1228,7 @@
           <a:p>
             <a:fld id="{32EEA6D3-387B-4642-BFC3-6091B7C3AE38}" type="datetimeFigureOut">
               <a:rPr lang="en-AU" smtClean="0"/>
-              <a:t>22/11/2021</a:t>
+              <a:t>23/11/2021</a:t>
             </a:fld>
             <a:endParaRPr lang="en-AU"/>
           </a:p>
@@ -1521,7 +1587,7 @@
           <a:p>
             <a:fld id="{32EEA6D3-387B-4642-BFC3-6091B7C3AE38}" type="datetimeFigureOut">
               <a:rPr lang="en-AU" smtClean="0"/>
-              <a:t>22/11/2021</a:t>
+              <a:t>23/11/2021</a:t>
             </a:fld>
             <a:endParaRPr lang="en-AU"/>
           </a:p>
@@ -1696,7 +1762,7 @@
           <a:p>
             <a:fld id="{32EEA6D3-387B-4642-BFC3-6091B7C3AE38}" type="datetimeFigureOut">
               <a:rPr lang="en-AU" smtClean="0"/>
-              <a:t>22/11/2021</a:t>
+              <a:t>23/11/2021</a:t>
             </a:fld>
             <a:endParaRPr lang="en-AU"/>
           </a:p>
@@ -1931,7 +1997,7 @@
           <a:p>
             <a:fld id="{32EEA6D3-387B-4642-BFC3-6091B7C3AE38}" type="datetimeFigureOut">
               <a:rPr lang="en-AU" smtClean="0"/>
-              <a:t>22/11/2021</a:t>
+              <a:t>23/11/2021</a:t>
             </a:fld>
             <a:endParaRPr lang="en-AU"/>
           </a:p>
@@ -2200,7 +2266,7 @@
           <a:p>
             <a:fld id="{32EEA6D3-387B-4642-BFC3-6091B7C3AE38}" type="datetimeFigureOut">
               <a:rPr lang="en-AU" smtClean="0"/>
-              <a:t>22/11/2021</a:t>
+              <a:t>23/11/2021</a:t>
             </a:fld>
             <a:endParaRPr lang="en-AU"/>
           </a:p>
@@ -2420,7 +2486,7 @@
           <a:p>
             <a:fld id="{32EEA6D3-387B-4642-BFC3-6091B7C3AE38}" type="datetimeFigureOut">
               <a:rPr lang="en-AU" smtClean="0"/>
-              <a:t>22/11/2021</a:t>
+              <a:t>23/11/2021</a:t>
             </a:fld>
             <a:endParaRPr lang="en-AU"/>
           </a:p>
@@ -2772,7 +2838,7 @@
           <a:p>
             <a:fld id="{32EEA6D3-387B-4642-BFC3-6091B7C3AE38}" type="datetimeFigureOut">
               <a:rPr lang="en-AU" smtClean="0"/>
-              <a:t>22/11/2021</a:t>
+              <a:t>23/11/2021</a:t>
             </a:fld>
             <a:endParaRPr lang="en-AU"/>
           </a:p>
@@ -3004,7 +3070,7 @@
           <a:p>
             <a:fld id="{32EEA6D3-387B-4642-BFC3-6091B7C3AE38}" type="datetimeFigureOut">
               <a:rPr lang="en-AU" smtClean="0"/>
-              <a:t>22/11/2021</a:t>
+              <a:t>23/11/2021</a:t>
             </a:fld>
             <a:endParaRPr lang="en-AU"/>
           </a:p>
@@ -3144,7 +3210,7 @@
           <a:p>
             <a:fld id="{32EEA6D3-387B-4642-BFC3-6091B7C3AE38}" type="datetimeFigureOut">
               <a:rPr lang="en-AU" smtClean="0"/>
-              <a:t>22/11/2021</a:t>
+              <a:t>23/11/2021</a:t>
             </a:fld>
             <a:endParaRPr lang="en-AU"/>
           </a:p>
@@ -3421,7 +3487,7 @@
           <a:p>
             <a:fld id="{32EEA6D3-387B-4642-BFC3-6091B7C3AE38}" type="datetimeFigureOut">
               <a:rPr lang="en-AU" smtClean="0"/>
-              <a:t>22/11/2021</a:t>
+              <a:t>23/11/2021</a:t>
             </a:fld>
             <a:endParaRPr lang="en-AU"/>
           </a:p>
@@ -3828,7 +3894,7 @@
           <a:p>
             <a:fld id="{32EEA6D3-387B-4642-BFC3-6091B7C3AE38}" type="datetimeFigureOut">
               <a:rPr lang="en-AU" smtClean="0"/>
-              <a:t>22/11/2021</a:t>
+              <a:t>23/11/2021</a:t>
             </a:fld>
             <a:endParaRPr lang="en-AU"/>
           </a:p>
@@ -4166,7 +4232,7 @@
           <a:p>
             <a:fld id="{32EEA6D3-387B-4642-BFC3-6091B7C3AE38}" type="datetimeFigureOut">
               <a:rPr lang="en-AU" smtClean="0"/>
-              <a:t>22/11/2021</a:t>
+              <a:t>23/11/2021</a:t>
             </a:fld>
             <a:endParaRPr lang="en-AU"/>
           </a:p>
@@ -4755,7 +4821,7 @@
           <a:p>
             <a:r>
               <a:rPr lang="en-GB" dirty="0" smtClean="0"/>
-              <a:t>Rego Plate Manager Application</a:t>
+              <a:t>Vehicle Registration Manager </a:t>
             </a:r>
             <a:endParaRPr lang="en-AU" dirty="0"/>
           </a:p>
@@ -5651,11 +5717,7 @@
             </a:r>
             <a:r>
               <a:rPr lang="en-GB" sz="1200" dirty="0" smtClean="0"/>
-              <a:t> a rego plate with the prefix </a:t>
-            </a:r>
-            <a:r>
-              <a:rPr lang="en-GB" sz="1200" dirty="0" smtClean="0"/>
-              <a:t>‘Z’</a:t>
+              <a:t> a rego plate with the prefix ‘Z’</a:t>
             </a:r>
             <a:endParaRPr lang="en-AU" sz="1200" dirty="0"/>
           </a:p>
@@ -5730,7 +5792,7 @@
         <p:spPr>
           <a:xfrm>
             <a:off x="5796136" y="4721368"/>
-            <a:ext cx="3034406" cy="1569660"/>
+            <a:ext cx="3168352" cy="1384995"/>
           </a:xfrm>
           <a:prstGeom prst="rect">
             <a:avLst/>
@@ -6312,6 +6374,46 @@
               <a:gd name="connsiteY1" fmla="*/ 131522 h 1951344"/>
               <a:gd name="connsiteX2" fmla="*/ 6036 w 4677890"/>
               <a:gd name="connsiteY2" fmla="*/ 1951344 h 1951344"/>
+              <a:gd name="connsiteX0" fmla="*/ 2301626 w 4677890"/>
+              <a:gd name="connsiteY0" fmla="*/ 0 h 1951344"/>
+              <a:gd name="connsiteX1" fmla="*/ 4677890 w 4677890"/>
+              <a:gd name="connsiteY1" fmla="*/ 0 h 1951344"/>
+              <a:gd name="connsiteX2" fmla="*/ 4677890 w 4677890"/>
+              <a:gd name="connsiteY2" fmla="*/ 720000 h 1951344"/>
+              <a:gd name="connsiteX3" fmla="*/ 2301626 w 4677890"/>
+              <a:gd name="connsiteY3" fmla="*/ 720000 h 1951344"/>
+              <a:gd name="connsiteX4" fmla="*/ 2301626 w 4677890"/>
+              <a:gd name="connsiteY4" fmla="*/ 0 h 1951344"/>
+              <a:gd name="connsiteX0" fmla="*/ 2103612 w 4677890"/>
+              <a:gd name="connsiteY0" fmla="*/ 0 h 1951344"/>
+              <a:gd name="connsiteX1" fmla="*/ 2103612 w 4677890"/>
+              <a:gd name="connsiteY1" fmla="*/ 720000 h 1951344"/>
+              <a:gd name="connsiteX0" fmla="*/ 2103612 w 4677890"/>
+              <a:gd name="connsiteY0" fmla="*/ 135000 h 1951344"/>
+              <a:gd name="connsiteX1" fmla="*/ 0 w 4677890"/>
+              <a:gd name="connsiteY1" fmla="*/ 131522 h 1951344"/>
+              <a:gd name="connsiteX2" fmla="*/ 6036 w 4677890"/>
+              <a:gd name="connsiteY2" fmla="*/ 1951344 h 1951344"/>
+              <a:gd name="connsiteX0" fmla="*/ 2301626 w 4677890"/>
+              <a:gd name="connsiteY0" fmla="*/ 0 h 1951344"/>
+              <a:gd name="connsiteX1" fmla="*/ 4677890 w 4677890"/>
+              <a:gd name="connsiteY1" fmla="*/ 0 h 1951344"/>
+              <a:gd name="connsiteX2" fmla="*/ 4677890 w 4677890"/>
+              <a:gd name="connsiteY2" fmla="*/ 720000 h 1951344"/>
+              <a:gd name="connsiteX3" fmla="*/ 2301626 w 4677890"/>
+              <a:gd name="connsiteY3" fmla="*/ 720000 h 1951344"/>
+              <a:gd name="connsiteX4" fmla="*/ 2301626 w 4677890"/>
+              <a:gd name="connsiteY4" fmla="*/ 0 h 1951344"/>
+              <a:gd name="connsiteX0" fmla="*/ 2112489 w 4677890"/>
+              <a:gd name="connsiteY0" fmla="*/ 703171 h 1951344"/>
+              <a:gd name="connsiteX1" fmla="*/ 2103612 w 4677890"/>
+              <a:gd name="connsiteY1" fmla="*/ 720000 h 1951344"/>
+              <a:gd name="connsiteX0" fmla="*/ 2103612 w 4677890"/>
+              <a:gd name="connsiteY0" fmla="*/ 135000 h 1951344"/>
+              <a:gd name="connsiteX1" fmla="*/ 0 w 4677890"/>
+              <a:gd name="connsiteY1" fmla="*/ 131522 h 1951344"/>
+              <a:gd name="connsiteX2" fmla="*/ 6036 w 4677890"/>
+              <a:gd name="connsiteY2" fmla="*/ 1951344 h 1951344"/>
             </a:gdLst>
             <a:ahLst/>
             <a:cxnLst>
@@ -6347,7 +6449,7 @@
               </a:path>
               <a:path w="4677890" h="1951344" fill="none" extrusionOk="0">
                 <a:moveTo>
-                  <a:pt x="2103612" y="0"/>
+                  <a:pt x="2112489" y="703171"/>
                 </a:moveTo>
                 <a:close/>
                 <a:cubicBezTo>
@@ -6386,6 +6488,13 @@
             </a:gsLst>
             <a:lin ang="5400000" scaled="0"/>
           </a:gradFill>
+          <a:ln>
+            <a:solidFill>
+              <a:schemeClr val="accent1">
+                <a:shade val="50000"/>
+              </a:schemeClr>
+            </a:solidFill>
+          </a:ln>
         </p:spPr>
         <p:style>
           <a:lnRef idx="2">
@@ -6590,6 +6699,13 @@
             </a:gsLst>
             <a:lin ang="5400000" scaled="0"/>
           </a:gradFill>
+          <a:ln>
+            <a:solidFill>
+              <a:schemeClr val="accent1">
+                <a:shade val="50000"/>
+              </a:schemeClr>
+            </a:solidFill>
+          </a:ln>
         </p:spPr>
         <p:style>
           <a:lnRef idx="2">
@@ -6740,15 +6856,7 @@
           <a:p>
             <a:r>
               <a:rPr lang="en-GB" sz="1100" dirty="0" smtClean="0"/>
-              <a:t>Closing the form </a:t>
-            </a:r>
-            <a:r>
-              <a:rPr lang="en-GB" sz="1100" dirty="0" smtClean="0"/>
-              <a:t>will automatically </a:t>
-            </a:r>
-            <a:r>
-              <a:rPr lang="en-GB" sz="1100" dirty="0" smtClean="0"/>
-              <a:t>increment the file name by 1 and save it</a:t>
+              <a:t>Closing the form will automatically increment the file name by 1 and save it</a:t>
             </a:r>
             <a:endParaRPr lang="en-AU" sz="1100" dirty="0"/>
           </a:p>
@@ -6852,8 +6960,8 @@
         </p:nvSpPr>
         <p:spPr>
           <a:xfrm rot="10800000" flipH="1">
-            <a:off x="3084538" y="3493816"/>
-            <a:ext cx="4677890" cy="2311447"/>
+            <a:off x="3084538" y="3733645"/>
+            <a:ext cx="4677890" cy="1855594"/>
           </a:xfrm>
           <a:custGeom>
             <a:avLst/>
@@ -7010,7 +7118,7 @@
         <p:spPr>
           <a:xfrm>
             <a:off x="5386163" y="4941168"/>
-            <a:ext cx="2376265" cy="769441"/>
+            <a:ext cx="2376265" cy="600164"/>
           </a:xfrm>
           <a:prstGeom prst="rect">
             <a:avLst/>
@@ -7037,7 +7145,31 @@
             </a:r>
             <a:r>
               <a:rPr lang="en-GB" sz="1100" dirty="0" smtClean="0"/>
-              <a:t>’ where xx is a number beginning from 00, 01, 02 etc.</a:t>
+              <a:t>’ where xx is a number </a:t>
+            </a:r>
+            <a:r>
+              <a:rPr lang="en-GB" sz="1100" dirty="0" smtClean="0"/>
+              <a:t> </a:t>
+            </a:r>
+            <a:r>
+              <a:rPr lang="en-GB" sz="1100" dirty="0" err="1" smtClean="0"/>
+              <a:t>eg</a:t>
+            </a:r>
+            <a:r>
+              <a:rPr lang="en-GB" sz="1100" dirty="0" smtClean="0"/>
+              <a:t>. </a:t>
+            </a:r>
+            <a:r>
+              <a:rPr lang="en-GB" sz="1100" dirty="0" smtClean="0"/>
+              <a:t>00</a:t>
+            </a:r>
+            <a:r>
+              <a:rPr lang="en-GB" sz="1100" dirty="0" smtClean="0"/>
+              <a:t>, 01, 02 etc</a:t>
+            </a:r>
+            <a:r>
+              <a:rPr lang="en-GB" sz="1100" dirty="0" smtClean="0"/>
+              <a:t>. </a:t>
             </a:r>
             <a:endParaRPr lang="en-AU" sz="1100" dirty="0"/>
           </a:p>
@@ -8214,7 +8346,19 @@
           <a:p>
             <a:r>
               <a:rPr lang="en-GB" sz="1100" dirty="0" smtClean="0"/>
-              <a:t>Usage of either of the search functions will return a popup box informing the user on if the plate was found or not</a:t>
+              <a:t>Usage of either of the search functions will return a </a:t>
+            </a:r>
+            <a:r>
+              <a:rPr lang="en-GB" sz="1100" dirty="0" smtClean="0"/>
+              <a:t>message</a:t>
+            </a:r>
+            <a:r>
+              <a:rPr lang="en-GB" sz="1100" dirty="0" smtClean="0"/>
+              <a:t> </a:t>
+            </a:r>
+            <a:r>
+              <a:rPr lang="en-GB" sz="1100" dirty="0" smtClean="0"/>
+              <a:t>box informing the user on if the plate was found or not</a:t>
             </a:r>
             <a:endParaRPr lang="en-AU" sz="1100" dirty="0"/>
           </a:p>
@@ -8700,6 +8844,243 @@
               <a:t>Active Systems Pty</a:t>
             </a:r>
             <a:endParaRPr lang="en-AU" sz="1400" dirty="0"/>
+          </a:p>
+        </p:txBody>
+      </p:sp>
+      <p:sp>
+        <p:nvSpPr>
+          <p:cNvPr id="21" name="Line Callout 2 (Accent Bar) 33"/>
+          <p:cNvSpPr/>
+          <p:nvPr/>
+        </p:nvSpPr>
+        <p:spPr>
+          <a:xfrm rot="2414261" flipH="1">
+            <a:off x="-3875037" y="108130"/>
+            <a:ext cx="11117640" cy="803231"/>
+          </a:xfrm>
+          <a:custGeom>
+            <a:avLst/>
+            <a:gdLst>
+              <a:gd name="connsiteX0" fmla="*/ 0 w 1872208"/>
+              <a:gd name="connsiteY0" fmla="*/ 0 h 803231"/>
+              <a:gd name="connsiteX1" fmla="*/ 1872208 w 1872208"/>
+              <a:gd name="connsiteY1" fmla="*/ 0 h 803231"/>
+              <a:gd name="connsiteX2" fmla="*/ 1872208 w 1872208"/>
+              <a:gd name="connsiteY2" fmla="*/ 803231 h 803231"/>
+              <a:gd name="connsiteX3" fmla="*/ 0 w 1872208"/>
+              <a:gd name="connsiteY3" fmla="*/ 803231 h 803231"/>
+              <a:gd name="connsiteX4" fmla="*/ 0 w 1872208"/>
+              <a:gd name="connsiteY4" fmla="*/ 0 h 803231"/>
+              <a:gd name="connsiteX0" fmla="*/ -156011 w 1872208"/>
+              <a:gd name="connsiteY0" fmla="*/ 0 h 803231"/>
+              <a:gd name="connsiteX1" fmla="*/ -156011 w 1872208"/>
+              <a:gd name="connsiteY1" fmla="*/ 803231 h 803231"/>
+              <a:gd name="connsiteX0" fmla="*/ -156011 w 1872208"/>
+              <a:gd name="connsiteY0" fmla="*/ 150606 h 803231"/>
+              <a:gd name="connsiteX1" fmla="*/ -312041 w 1872208"/>
+              <a:gd name="connsiteY1" fmla="*/ 150606 h 803231"/>
+              <a:gd name="connsiteX2" fmla="*/ -702583 w 1872208"/>
+              <a:gd name="connsiteY2" fmla="*/ 148895 h 803231"/>
+              <a:gd name="connsiteX0" fmla="*/ 728082 w 2600290"/>
+              <a:gd name="connsiteY0" fmla="*/ 0 h 803231"/>
+              <a:gd name="connsiteX1" fmla="*/ 2600290 w 2600290"/>
+              <a:gd name="connsiteY1" fmla="*/ 0 h 803231"/>
+              <a:gd name="connsiteX2" fmla="*/ 2600290 w 2600290"/>
+              <a:gd name="connsiteY2" fmla="*/ 803231 h 803231"/>
+              <a:gd name="connsiteX3" fmla="*/ 728082 w 2600290"/>
+              <a:gd name="connsiteY3" fmla="*/ 803231 h 803231"/>
+              <a:gd name="connsiteX4" fmla="*/ 728082 w 2600290"/>
+              <a:gd name="connsiteY4" fmla="*/ 0 h 803231"/>
+              <a:gd name="connsiteX0" fmla="*/ 572071 w 2600290"/>
+              <a:gd name="connsiteY0" fmla="*/ 0 h 803231"/>
+              <a:gd name="connsiteX1" fmla="*/ 572071 w 2600290"/>
+              <a:gd name="connsiteY1" fmla="*/ 803231 h 803231"/>
+              <a:gd name="connsiteX0" fmla="*/ 572071 w 2600290"/>
+              <a:gd name="connsiteY0" fmla="*/ 150606 h 803231"/>
+              <a:gd name="connsiteX1" fmla="*/ 416041 w 2600290"/>
+              <a:gd name="connsiteY1" fmla="*/ 150606 h 803231"/>
+              <a:gd name="connsiteX2" fmla="*/ 25499 w 2600290"/>
+              <a:gd name="connsiteY2" fmla="*/ 148895 h 803231"/>
+              <a:gd name="connsiteX3" fmla="*/ 38313 w 2600290"/>
+              <a:gd name="connsiteY3" fmla="*/ 146849 h 803231"/>
+              <a:gd name="connsiteX0" fmla="*/ 702583 w 2574791"/>
+              <a:gd name="connsiteY0" fmla="*/ 0 h 803231"/>
+              <a:gd name="connsiteX1" fmla="*/ 2574791 w 2574791"/>
+              <a:gd name="connsiteY1" fmla="*/ 0 h 803231"/>
+              <a:gd name="connsiteX2" fmla="*/ 2574791 w 2574791"/>
+              <a:gd name="connsiteY2" fmla="*/ 803231 h 803231"/>
+              <a:gd name="connsiteX3" fmla="*/ 702583 w 2574791"/>
+              <a:gd name="connsiteY3" fmla="*/ 803231 h 803231"/>
+              <a:gd name="connsiteX4" fmla="*/ 702583 w 2574791"/>
+              <a:gd name="connsiteY4" fmla="*/ 0 h 803231"/>
+              <a:gd name="connsiteX0" fmla="*/ 546572 w 2574791"/>
+              <a:gd name="connsiteY0" fmla="*/ 0 h 803231"/>
+              <a:gd name="connsiteX1" fmla="*/ 546572 w 2574791"/>
+              <a:gd name="connsiteY1" fmla="*/ 803231 h 803231"/>
+              <a:gd name="connsiteX0" fmla="*/ 546572 w 2574791"/>
+              <a:gd name="connsiteY0" fmla="*/ 150606 h 803231"/>
+              <a:gd name="connsiteX1" fmla="*/ 390542 w 2574791"/>
+              <a:gd name="connsiteY1" fmla="*/ 150606 h 803231"/>
+              <a:gd name="connsiteX2" fmla="*/ 0 w 2574791"/>
+              <a:gd name="connsiteY2" fmla="*/ 148895 h 803231"/>
+              <a:gd name="connsiteX3" fmla="*/ 12814 w 2574791"/>
+              <a:gd name="connsiteY3" fmla="*/ 146849 h 803231"/>
+              <a:gd name="connsiteX0" fmla="*/ 702583 w 2574791"/>
+              <a:gd name="connsiteY0" fmla="*/ 0 h 803231"/>
+              <a:gd name="connsiteX1" fmla="*/ 2574791 w 2574791"/>
+              <a:gd name="connsiteY1" fmla="*/ 0 h 803231"/>
+              <a:gd name="connsiteX2" fmla="*/ 2574791 w 2574791"/>
+              <a:gd name="connsiteY2" fmla="*/ 803231 h 803231"/>
+              <a:gd name="connsiteX3" fmla="*/ 702583 w 2574791"/>
+              <a:gd name="connsiteY3" fmla="*/ 803231 h 803231"/>
+              <a:gd name="connsiteX4" fmla="*/ 702583 w 2574791"/>
+              <a:gd name="connsiteY4" fmla="*/ 0 h 803231"/>
+              <a:gd name="connsiteX0" fmla="*/ 546572 w 2574791"/>
+              <a:gd name="connsiteY0" fmla="*/ 0 h 803231"/>
+              <a:gd name="connsiteX1" fmla="*/ 546572 w 2574791"/>
+              <a:gd name="connsiteY1" fmla="*/ 803231 h 803231"/>
+              <a:gd name="connsiteX0" fmla="*/ 390542 w 2574791"/>
+              <a:gd name="connsiteY0" fmla="*/ 150606 h 803231"/>
+              <a:gd name="connsiteX1" fmla="*/ 0 w 2574791"/>
+              <a:gd name="connsiteY1" fmla="*/ 148895 h 803231"/>
+              <a:gd name="connsiteX2" fmla="*/ 12814 w 2574791"/>
+              <a:gd name="connsiteY2" fmla="*/ 146849 h 803231"/>
+              <a:gd name="connsiteX0" fmla="*/ 702583 w 2574791"/>
+              <a:gd name="connsiteY0" fmla="*/ 0 h 803231"/>
+              <a:gd name="connsiteX1" fmla="*/ 2574791 w 2574791"/>
+              <a:gd name="connsiteY1" fmla="*/ 0 h 803231"/>
+              <a:gd name="connsiteX2" fmla="*/ 2574791 w 2574791"/>
+              <a:gd name="connsiteY2" fmla="*/ 803231 h 803231"/>
+              <a:gd name="connsiteX3" fmla="*/ 702583 w 2574791"/>
+              <a:gd name="connsiteY3" fmla="*/ 803231 h 803231"/>
+              <a:gd name="connsiteX4" fmla="*/ 702583 w 2574791"/>
+              <a:gd name="connsiteY4" fmla="*/ 0 h 803231"/>
+              <a:gd name="connsiteX0" fmla="*/ 546572 w 2574791"/>
+              <a:gd name="connsiteY0" fmla="*/ 0 h 803231"/>
+              <a:gd name="connsiteX1" fmla="*/ 546572 w 2574791"/>
+              <a:gd name="connsiteY1" fmla="*/ 803231 h 803231"/>
+              <a:gd name="connsiteX0" fmla="*/ 390542 w 2574791"/>
+              <a:gd name="connsiteY0" fmla="*/ 150606 h 803231"/>
+              <a:gd name="connsiteX1" fmla="*/ 0 w 2574791"/>
+              <a:gd name="connsiteY1" fmla="*/ 148895 h 803231"/>
+              <a:gd name="connsiteX0" fmla="*/ 702583 w 2574791"/>
+              <a:gd name="connsiteY0" fmla="*/ 0 h 803231"/>
+              <a:gd name="connsiteX1" fmla="*/ 2574791 w 2574791"/>
+              <a:gd name="connsiteY1" fmla="*/ 0 h 803231"/>
+              <a:gd name="connsiteX2" fmla="*/ 2574791 w 2574791"/>
+              <a:gd name="connsiteY2" fmla="*/ 803231 h 803231"/>
+              <a:gd name="connsiteX3" fmla="*/ 702583 w 2574791"/>
+              <a:gd name="connsiteY3" fmla="*/ 803231 h 803231"/>
+              <a:gd name="connsiteX4" fmla="*/ 702583 w 2574791"/>
+              <a:gd name="connsiteY4" fmla="*/ 0 h 803231"/>
+              <a:gd name="connsiteX0" fmla="*/ 546572 w 2574791"/>
+              <a:gd name="connsiteY0" fmla="*/ 0 h 803231"/>
+              <a:gd name="connsiteX0" fmla="*/ 390542 w 2574791"/>
+              <a:gd name="connsiteY0" fmla="*/ 150606 h 803231"/>
+              <a:gd name="connsiteX1" fmla="*/ 0 w 2574791"/>
+              <a:gd name="connsiteY1" fmla="*/ 148895 h 803231"/>
+            </a:gdLst>
+            <a:ahLst/>
+            <a:cxnLst>
+              <a:cxn ang="0">
+                <a:pos x="connsiteX0" y="connsiteY0"/>
+              </a:cxn>
+              <a:cxn ang="0">
+                <a:pos x="connsiteX1" y="connsiteY1"/>
+              </a:cxn>
+            </a:cxnLst>
+            <a:rect l="l" t="t" r="r" b="b"/>
+            <a:pathLst>
+              <a:path w="2574791" h="803231" stroke="0" extrusionOk="0">
+                <a:moveTo>
+                  <a:pt x="702583" y="0"/>
+                </a:moveTo>
+                <a:lnTo>
+                  <a:pt x="2574791" y="0"/>
+                </a:lnTo>
+                <a:lnTo>
+                  <a:pt x="2574791" y="803231"/>
+                </a:lnTo>
+                <a:lnTo>
+                  <a:pt x="702583" y="803231"/>
+                </a:lnTo>
+                <a:lnTo>
+                  <a:pt x="702583" y="0"/>
+                </a:lnTo>
+                <a:close/>
+              </a:path>
+              <a:path w="2574791" h="803231" fill="none" extrusionOk="0">
+                <a:moveTo>
+                  <a:pt x="546572" y="0"/>
+                </a:moveTo>
+                <a:close/>
+              </a:path>
+              <a:path w="2574791" h="803231" fill="none" extrusionOk="0">
+                <a:moveTo>
+                  <a:pt x="390542" y="150606"/>
+                </a:moveTo>
+                <a:lnTo>
+                  <a:pt x="0" y="148895"/>
+                </a:lnTo>
+              </a:path>
+            </a:pathLst>
+          </a:custGeom>
+          <a:gradFill>
+            <a:gsLst>
+              <a:gs pos="0">
+                <a:schemeClr val="bg1">
+                  <a:alpha val="0"/>
+                </a:schemeClr>
+              </a:gs>
+              <a:gs pos="0">
+                <a:srgbClr val="F5E8F8"/>
+              </a:gs>
+              <a:gs pos="0">
+                <a:srgbClr val="85C2FF">
+                  <a:alpha val="0"/>
+                </a:srgbClr>
+              </a:gs>
+              <a:gs pos="417">
+                <a:schemeClr val="bg1">
+                  <a:alpha val="0"/>
+                </a:schemeClr>
+              </a:gs>
+              <a:gs pos="0">
+                <a:srgbClr val="C4D6EB">
+                  <a:alpha val="0"/>
+                </a:srgbClr>
+              </a:gs>
+              <a:gs pos="0">
+                <a:srgbClr val="FFEBFA">
+                  <a:alpha val="0"/>
+                </a:srgbClr>
+              </a:gs>
+            </a:gsLst>
+            <a:lin ang="5400000" scaled="0"/>
+          </a:gradFill>
+        </p:spPr>
+        <p:style>
+          <a:lnRef idx="2">
+            <a:schemeClr val="accent1">
+              <a:shade val="50000"/>
+            </a:schemeClr>
+          </a:lnRef>
+          <a:fillRef idx="1">
+            <a:schemeClr val="accent1"/>
+          </a:fillRef>
+          <a:effectRef idx="0">
+            <a:schemeClr val="accent1"/>
+          </a:effectRef>
+          <a:fontRef idx="minor">
+            <a:schemeClr val="lt1"/>
+          </a:fontRef>
+        </p:style>
+        <p:txBody>
+          <a:bodyPr rtlCol="0" anchor="ctr"/>
+          <a:lstStyle/>
+          <a:p>
+            <a:pPr algn="ctr"/>
+            <a:endParaRPr lang="en-AU" dirty="0"/>
           </a:p>
         </p:txBody>
       </p:sp>
